--- a/Lecture/2.Vue.js 산업체 특강(컴포넌트).pptx
+++ b/Lecture/2.Vue.js 산업체 특강(컴포넌트).pptx
@@ -224,7 +224,7 @@
           <a:p>
             <a:fld id="{4416DD12-CDFC-4BA5-98CA-5C803247BC68}" type="datetimeFigureOut">
               <a:rPr lang="ko-KR" altLang="en-US" smtClean="0"/>
-              <a:t>2018-05-15</a:t>
+              <a:t>2018-05-17</a:t>
             </a:fld>
             <a:endParaRPr lang="ko-KR" altLang="en-US"/>
           </a:p>
@@ -5716,297 +5716,6 @@
           </a:p>
         </p:txBody>
       </p:sp>
-      <p:sp>
-        <p:nvSpPr>
-          <p:cNvPr id="7" name="object 7"/>
-          <p:cNvSpPr/>
-          <p:nvPr/>
-        </p:nvSpPr>
-        <p:spPr>
-          <a:xfrm>
-            <a:off x="6377863" y="4681265"/>
-            <a:ext cx="6626936" cy="4853940"/>
-          </a:xfrm>
-          <a:prstGeom prst="rect">
-            <a:avLst/>
-          </a:prstGeom>
-          <a:blipFill>
-            <a:blip r:embed="rId2" cstate="print"/>
-            <a:stretch>
-              <a:fillRect/>
-            </a:stretch>
-          </a:blipFill>
-        </p:spPr>
-        <p:txBody>
-          <a:bodyPr wrap="square" lIns="0" tIns="0" rIns="0" bIns="0" rtlCol="0"/>
-          <a:lstStyle/>
-          <a:p>
-            <a:endParaRPr/>
-          </a:p>
-        </p:txBody>
-      </p:sp>
-      <p:sp>
-        <p:nvSpPr>
-          <p:cNvPr id="8" name="object 8"/>
-          <p:cNvSpPr txBox="1"/>
-          <p:nvPr/>
-        </p:nvSpPr>
-        <p:spPr>
-          <a:xfrm>
-            <a:off x="7152563" y="5223687"/>
-            <a:ext cx="5102860" cy="4335161"/>
-          </a:xfrm>
-          <a:prstGeom prst="rect">
-            <a:avLst/>
-          </a:prstGeom>
-          <a:solidFill>
-            <a:srgbClr val="FFFFFF">
-              <a:alpha val="98999"/>
-            </a:srgbClr>
-          </a:solidFill>
-        </p:spPr>
-        <p:txBody>
-          <a:bodyPr vert="horz" wrap="square" lIns="0" tIns="5715" rIns="0" bIns="0" rtlCol="0">
-            <a:spAutoFit/>
-          </a:bodyPr>
-          <a:lstStyle/>
-          <a:p>
-            <a:pPr>
-              <a:lnSpc>
-                <a:spcPct val="100000"/>
-              </a:lnSpc>
-              <a:spcBef>
-                <a:spcPts val="45"/>
-              </a:spcBef>
-            </a:pPr>
-            <a:endParaRPr sz="2800" dirty="0">
-              <a:latin typeface="+mj-ea"/>
-              <a:ea typeface="+mj-ea"/>
-              <a:cs typeface="Times New Roman"/>
-            </a:endParaRPr>
-          </a:p>
-          <a:p>
-            <a:pPr algn="ctr">
-              <a:lnSpc>
-                <a:spcPct val="100000"/>
-              </a:lnSpc>
-            </a:pPr>
-            <a:r>
-              <a:rPr lang="en-US" sz="2500" b="1" dirty="0">
-                <a:solidFill>
-                  <a:srgbClr val="2C2C2C"/>
-                </a:solidFill>
-                <a:latin typeface="+mj-ea"/>
-                <a:ea typeface="+mj-ea"/>
-                <a:cs typeface="DejaVu Sans"/>
-              </a:rPr>
-              <a:t>Subjects</a:t>
-            </a:r>
-          </a:p>
-          <a:p>
-            <a:pPr algn="ctr">
-              <a:lnSpc>
-                <a:spcPct val="100000"/>
-              </a:lnSpc>
-            </a:pPr>
-            <a:endParaRPr sz="2500" dirty="0">
-              <a:latin typeface="+mj-ea"/>
-              <a:ea typeface="+mj-ea"/>
-              <a:cs typeface="DejaVu Sans"/>
-            </a:endParaRPr>
-          </a:p>
-          <a:p>
-            <a:pPr marL="886459" indent="-457200">
-              <a:lnSpc>
-                <a:spcPct val="100000"/>
-              </a:lnSpc>
-              <a:spcBef>
-                <a:spcPts val="1000"/>
-              </a:spcBef>
-              <a:buFont typeface="+mj-lt"/>
-              <a:buAutoNum type="arabicPeriod"/>
-              <a:tabLst>
-                <a:tab pos="911860" algn="l"/>
-              </a:tabLst>
-            </a:pPr>
-            <a:r>
-              <a:rPr lang="ko-KR" altLang="en-US" sz="2000" dirty="0">
-                <a:latin typeface="+mj-ea"/>
-                <a:ea typeface="+mj-ea"/>
-                <a:cs typeface="DejaVu Sans"/>
-              </a:rPr>
-              <a:t>텍스트 </a:t>
-            </a:r>
-            <a:r>
-              <a:rPr lang="ko-KR" altLang="en-US" sz="2000" dirty="0" err="1">
-                <a:latin typeface="+mj-ea"/>
-                <a:ea typeface="+mj-ea"/>
-                <a:cs typeface="DejaVu Sans"/>
-              </a:rPr>
-              <a:t>보간법</a:t>
-            </a:r>
-            <a:endParaRPr lang="en-US" sz="2000" dirty="0">
-              <a:latin typeface="+mj-ea"/>
-              <a:ea typeface="+mj-ea"/>
-              <a:cs typeface="DejaVu Sans"/>
-            </a:endParaRPr>
-          </a:p>
-          <a:p>
-            <a:pPr marL="886459" indent="-457200">
-              <a:lnSpc>
-                <a:spcPct val="100000"/>
-              </a:lnSpc>
-              <a:spcBef>
-                <a:spcPts val="1000"/>
-              </a:spcBef>
-              <a:buFont typeface="+mj-lt"/>
-              <a:buAutoNum type="arabicPeriod"/>
-              <a:tabLst>
-                <a:tab pos="911860" algn="l"/>
-              </a:tabLst>
-            </a:pPr>
-            <a:r>
-              <a:rPr lang="en-US" sz="2000" dirty="0">
-                <a:latin typeface="+mj-ea"/>
-                <a:ea typeface="+mj-ea"/>
-                <a:cs typeface="DejaVu Sans"/>
-              </a:rPr>
-              <a:t>v-bind</a:t>
-            </a:r>
-            <a:endParaRPr lang="en-US" altLang="ko-KR" sz="2000" dirty="0">
-              <a:latin typeface="+mj-ea"/>
-              <a:ea typeface="+mj-ea"/>
-              <a:cs typeface="DejaVu Sans"/>
-            </a:endParaRPr>
-          </a:p>
-          <a:p>
-            <a:pPr marL="886459" indent="-457200">
-              <a:lnSpc>
-                <a:spcPct val="100000"/>
-              </a:lnSpc>
-              <a:spcBef>
-                <a:spcPts val="1000"/>
-              </a:spcBef>
-              <a:buFont typeface="+mj-lt"/>
-              <a:buAutoNum type="arabicPeriod"/>
-              <a:tabLst>
-                <a:tab pos="911860" algn="l"/>
-              </a:tabLst>
-            </a:pPr>
-            <a:r>
-              <a:rPr lang="en-US" altLang="ko-KR" sz="2000" dirty="0">
-                <a:latin typeface="+mj-ea"/>
-                <a:cs typeface="DejaVu Sans"/>
-              </a:rPr>
-              <a:t>v-html</a:t>
-            </a:r>
-          </a:p>
-          <a:p>
-            <a:pPr marL="886459" indent="-457200">
-              <a:lnSpc>
-                <a:spcPct val="100000"/>
-              </a:lnSpc>
-              <a:spcBef>
-                <a:spcPts val="1000"/>
-              </a:spcBef>
-              <a:buFont typeface="+mj-lt"/>
-              <a:buAutoNum type="arabicPeriod"/>
-              <a:tabLst>
-                <a:tab pos="911860" algn="l"/>
-              </a:tabLst>
-            </a:pPr>
-            <a:r>
-              <a:rPr lang="en-US" altLang="ko-KR" sz="2000" dirty="0">
-                <a:latin typeface="+mj-ea"/>
-                <a:cs typeface="DejaVu Sans"/>
-              </a:rPr>
-              <a:t>v-model</a:t>
-            </a:r>
-          </a:p>
-          <a:p>
-            <a:pPr marL="886459" indent="-457200">
-              <a:lnSpc>
-                <a:spcPct val="100000"/>
-              </a:lnSpc>
-              <a:spcBef>
-                <a:spcPts val="1000"/>
-              </a:spcBef>
-              <a:buFont typeface="+mj-lt"/>
-              <a:buAutoNum type="arabicPeriod"/>
-              <a:tabLst>
-                <a:tab pos="911860" algn="l"/>
-              </a:tabLst>
-            </a:pPr>
-            <a:r>
-              <a:rPr lang="en-US" altLang="ko-KR" sz="2000" dirty="0">
-                <a:latin typeface="+mj-ea"/>
-                <a:ea typeface="+mj-ea"/>
-                <a:cs typeface="DejaVu Sans"/>
-              </a:rPr>
-              <a:t>v-if </a:t>
-            </a:r>
-            <a:r>
-              <a:rPr lang="ko-KR" altLang="en-US" sz="2000" dirty="0">
-                <a:latin typeface="+mj-ea"/>
-                <a:ea typeface="+mj-ea"/>
-                <a:cs typeface="DejaVu Sans"/>
-              </a:rPr>
-              <a:t>와 </a:t>
-            </a:r>
-            <a:r>
-              <a:rPr lang="en-US" altLang="ko-KR" sz="2000" dirty="0">
-                <a:latin typeface="+mj-ea"/>
-                <a:ea typeface="+mj-ea"/>
-                <a:cs typeface="DejaVu Sans"/>
-              </a:rPr>
-              <a:t>v-show</a:t>
-            </a:r>
-          </a:p>
-          <a:p>
-            <a:pPr marL="886459" indent="-457200">
-              <a:lnSpc>
-                <a:spcPct val="100000"/>
-              </a:lnSpc>
-              <a:spcBef>
-                <a:spcPts val="1000"/>
-              </a:spcBef>
-              <a:buFont typeface="+mj-lt"/>
-              <a:buAutoNum type="arabicPeriod"/>
-              <a:tabLst>
-                <a:tab pos="911860" algn="l"/>
-              </a:tabLst>
-            </a:pPr>
-            <a:r>
-              <a:rPr lang="en-US" altLang="ko-KR" sz="2000" dirty="0">
-                <a:latin typeface="+mj-ea"/>
-                <a:ea typeface="+mj-ea"/>
-                <a:cs typeface="DejaVu Sans"/>
-              </a:rPr>
-              <a:t>v-for</a:t>
-            </a:r>
-          </a:p>
-          <a:p>
-            <a:pPr marL="886459" indent="-457200">
-              <a:lnSpc>
-                <a:spcPct val="100000"/>
-              </a:lnSpc>
-              <a:spcBef>
-                <a:spcPts val="1000"/>
-              </a:spcBef>
-              <a:buFont typeface="+mj-lt"/>
-              <a:buAutoNum type="arabicPeriod"/>
-              <a:tabLst>
-                <a:tab pos="911860" algn="l"/>
-              </a:tabLst>
-            </a:pPr>
-            <a:endParaRPr lang="en-US" altLang="ko-KR" sz="2500" dirty="0">
-              <a:latin typeface="+mj-ea"/>
-              <a:ea typeface="+mj-ea"/>
-              <a:cs typeface="DejaVu Sans"/>
-            </a:endParaRPr>
-          </a:p>
-        </p:txBody>
-      </p:sp>
     </p:spTree>
     <p:extLst>
       <p:ext uri="{BB962C8B-B14F-4D97-AF65-F5344CB8AC3E}">
@@ -6057,7 +5766,7 @@
         <p:spPr>
           <a:xfrm>
             <a:off x="101600" y="3352800"/>
-            <a:ext cx="12801600" cy="2215991"/>
+            <a:ext cx="12801600" cy="1477328"/>
           </a:xfrm>
         </p:spPr>
         <p:txBody>
@@ -6085,23 +5794,16 @@
               <a:rPr lang="en-US" altLang="ko-KR" dirty="0" smtClean="0"/>
             </a:br>
             <a:r>
-              <a:rPr lang="en-US" altLang="ko-KR" dirty="0"/>
-              <a:t/>
-            </a:r>
-            <a:br>
-              <a:rPr lang="en-US" altLang="ko-KR" dirty="0"/>
-            </a:br>
+              <a:rPr lang="ko-KR" altLang="en-US" dirty="0" smtClean="0"/>
+              <a:t>강의자료 </a:t>
+            </a:r>
             <a:r>
               <a:rPr lang="en-US" altLang="ko-KR" dirty="0" smtClean="0"/>
-              <a:t>lecture/default.html </a:t>
-            </a:r>
-            <a:r>
-              <a:rPr lang="ko-KR" altLang="en-US" dirty="0" smtClean="0"/>
-              <a:t>을 다운받으세요</a:t>
-            </a:r>
-            <a:r>
-              <a:rPr lang="en-US" altLang="ko-KR" dirty="0" smtClean="0"/>
-              <a:t>.</a:t>
+              <a:t>/ </a:t>
+            </a:r>
+            <a:r>
+              <a:rPr lang="ko-KR" altLang="en-US" smtClean="0"/>
+              <a:t>소스코드 다운</a:t>
             </a:r>
             <a:endParaRPr lang="ko-KR" altLang="en-US" dirty="0"/>
           </a:p>
@@ -7219,7 +6921,6 @@
               <a:rPr lang="ko-KR" altLang="en-US" dirty="0"/>
               <a:t>인스턴스</a:t>
             </a:r>
-            <a:endParaRPr lang="ko-KR" altLang="en-US" dirty="0"/>
           </a:p>
         </p:txBody>
       </p:sp>

--- a/Lecture/2.Vue.js 산업체 특강(컴포넌트).pptx
+++ b/Lecture/2.Vue.js 산업체 특강(컴포넌트).pptx
@@ -5,7 +5,7 @@
     <p:sldMasterId id="2147483648" r:id="rId1"/>
   </p:sldMasterIdLst>
   <p:notesMasterIdLst>
-    <p:notesMasterId r:id="rId19"/>
+    <p:notesMasterId r:id="rId22"/>
   </p:notesMasterIdLst>
   <p:sldIdLst>
     <p:sldId id="330" r:id="rId2"/>
@@ -25,6 +25,9 @@
     <p:sldId id="399" r:id="rId16"/>
     <p:sldId id="395" r:id="rId17"/>
     <p:sldId id="393" r:id="rId18"/>
+    <p:sldId id="405" r:id="rId19"/>
+    <p:sldId id="406" r:id="rId20"/>
+    <p:sldId id="407" r:id="rId21"/>
   </p:sldIdLst>
   <p:sldSz cx="13004800" cy="9753600"/>
   <p:notesSz cx="13004800" cy="9753600"/>
@@ -224,7 +227,7 @@
           <a:p>
             <a:fld id="{4416DD12-CDFC-4BA5-98CA-5C803247BC68}" type="datetimeFigureOut">
               <a:rPr lang="ko-KR" altLang="en-US" smtClean="0"/>
-              <a:t>2018-05-17</a:t>
+              <a:t>2018-05-21</a:t>
             </a:fld>
             <a:endParaRPr lang="ko-KR" altLang="en-US"/>
           </a:p>
@@ -2288,7 +2291,7 @@
               </a:spcBef>
             </a:pPr>
             <a:r>
-              <a:rPr lang="en-US" sz="2987" spc="149" dirty="0">
+              <a:rPr lang="ko-KR" altLang="en-US" sz="2987" spc="149" dirty="0" smtClean="0">
                 <a:solidFill>
                   <a:srgbClr val="101010"/>
                 </a:solidFill>
@@ -2296,62 +2299,7 @@
                 <a:ea typeface="+mj-ea"/>
                 <a:cs typeface="Century Gothic"/>
               </a:rPr>
-              <a:t>Vue</a:t>
-            </a:r>
-            <a:r>
-              <a:rPr lang="ko-KR" altLang="en-US" sz="2987" spc="149" dirty="0">
-                <a:solidFill>
-                  <a:srgbClr val="101010"/>
-                </a:solidFill>
-                <a:latin typeface="+mj-ea"/>
-                <a:ea typeface="+mj-ea"/>
-                <a:cs typeface="Century Gothic"/>
-              </a:rPr>
-              <a:t>의</a:t>
-            </a:r>
-            <a:r>
-              <a:rPr lang="en-US" sz="2987" spc="149" dirty="0">
-                <a:solidFill>
-                  <a:srgbClr val="101010"/>
-                </a:solidFill>
-                <a:latin typeface="+mj-ea"/>
-                <a:ea typeface="+mj-ea"/>
-                <a:cs typeface="Century Gothic"/>
-              </a:rPr>
-              <a:t> </a:t>
-            </a:r>
-            <a:r>
-              <a:rPr lang="ko-KR" altLang="en-US" sz="2987" spc="149" dirty="0">
-                <a:solidFill>
-                  <a:srgbClr val="101010"/>
-                </a:solidFill>
-                <a:latin typeface="+mj-ea"/>
-                <a:ea typeface="+mj-ea"/>
-                <a:cs typeface="Century Gothic"/>
-              </a:rPr>
-              <a:t>생명주기</a:t>
-            </a:r>
-            <a:r>
-              <a:rPr lang="en-US" altLang="ko-KR" sz="2987" spc="149" dirty="0">
-                <a:solidFill>
-                  <a:srgbClr val="101010"/>
-                </a:solidFill>
-                <a:latin typeface="+mj-ea"/>
-                <a:ea typeface="+mj-ea"/>
-                <a:cs typeface="Century Gothic"/>
-              </a:rPr>
-              <a:t> &amp; </a:t>
-            </a:r>
-            <a:r>
-              <a:rPr lang="ko-KR" altLang="en-US" sz="2987" spc="149" dirty="0" err="1">
-                <a:solidFill>
-                  <a:srgbClr val="101010"/>
-                </a:solidFill>
-                <a:latin typeface="+mj-ea"/>
-                <a:ea typeface="+mj-ea"/>
-                <a:cs typeface="Century Gothic"/>
-              </a:rPr>
-              <a:t>디렉티브</a:t>
+              <a:t>컴포넌트</a:t>
             </a:r>
             <a:endParaRPr sz="2987" dirty="0">
               <a:latin typeface="+mj-ea"/>
@@ -5480,6 +5428,248 @@
 </p:sld>
 </file>
 
+<file path=ppt/slides/slide18.xml><?xml version="1.0" encoding="utf-8"?>
+<p:sld xmlns:a="http://schemas.openxmlformats.org/drawingml/2006/main" xmlns:r="http://schemas.openxmlformats.org/officeDocument/2006/relationships" xmlns:p="http://schemas.openxmlformats.org/presentationml/2006/main">
+  <p:cSld>
+    <p:spTree>
+      <p:nvGrpSpPr>
+        <p:cNvPr id="1" name=""/>
+        <p:cNvGrpSpPr/>
+        <p:nvPr/>
+      </p:nvGrpSpPr>
+      <p:grpSpPr>
+        <a:xfrm>
+          <a:off x="0" y="0"/>
+          <a:ext cx="0" cy="0"/>
+          <a:chOff x="0" y="0"/>
+          <a:chExt cx="0" cy="0"/>
+        </a:xfrm>
+      </p:grpSpPr>
+      <p:sp>
+        <p:nvSpPr>
+          <p:cNvPr id="10" name="직사각형 9"/>
+          <p:cNvSpPr/>
+          <p:nvPr/>
+        </p:nvSpPr>
+        <p:spPr>
+          <a:xfrm>
+            <a:off x="1168400" y="2586335"/>
+            <a:ext cx="11049000" cy="2862322"/>
+          </a:xfrm>
+          <a:prstGeom prst="rect">
+            <a:avLst/>
+          </a:prstGeom>
+        </p:spPr>
+        <p:txBody>
+          <a:bodyPr wrap="square" anchor="ctr">
+            <a:spAutoFit/>
+          </a:bodyPr>
+          <a:lstStyle/>
+          <a:p>
+            <a:pPr algn="ctr"/>
+            <a:r>
+              <a:rPr lang="ko-KR" altLang="en-US" sz="6000" dirty="0" smtClean="0"/>
+              <a:t>컴포넌트로 </a:t>
+            </a:r>
+            <a:r>
+              <a:rPr lang="ko-KR" altLang="en-US" sz="6000" dirty="0" err="1" smtClean="0"/>
+              <a:t>대체콘텐츠</a:t>
+            </a:r>
+            <a:r>
+              <a:rPr lang="ko-KR" altLang="en-US" sz="6000" dirty="0" smtClean="0"/>
+              <a:t> </a:t>
+            </a:r>
+            <a:endParaRPr lang="en-US" altLang="ko-KR" sz="6000" dirty="0" smtClean="0"/>
+          </a:p>
+          <a:p>
+            <a:pPr algn="ctr"/>
+            <a:r>
+              <a:rPr lang="ko-KR" altLang="en-US" sz="6000" dirty="0" smtClean="0"/>
+              <a:t>전달하기 </a:t>
+            </a:r>
+            <a:endParaRPr lang="en-US" altLang="ko-KR" sz="6000" dirty="0" smtClean="0"/>
+          </a:p>
+          <a:p>
+            <a:pPr algn="ctr"/>
+            <a:r>
+              <a:rPr lang="en-US" altLang="ko-KR" sz="6000" dirty="0" smtClean="0"/>
+              <a:t>(</a:t>
+            </a:r>
+            <a:r>
+              <a:rPr lang="en-US" altLang="ko-KR" sz="6000" dirty="0" smtClean="0"/>
+              <a:t>slot)</a:t>
+            </a:r>
+            <a:endParaRPr lang="en-US" altLang="ko-KR" sz="6000" dirty="0"/>
+          </a:p>
+        </p:txBody>
+      </p:sp>
+    </p:spTree>
+    <p:extLst>
+      <p:ext uri="{BB962C8B-B14F-4D97-AF65-F5344CB8AC3E}">
+        <p14:creationId xmlns:p14="http://schemas.microsoft.com/office/powerpoint/2010/main" val="352808815"/>
+      </p:ext>
+    </p:extLst>
+  </p:cSld>
+  <p:clrMapOvr>
+    <a:masterClrMapping/>
+  </p:clrMapOvr>
+  <p:timing>
+    <p:tnLst>
+      <p:par>
+        <p:cTn id="1" dur="indefinite" restart="never" nodeType="tmRoot"/>
+      </p:par>
+    </p:tnLst>
+  </p:timing>
+</p:sld>
+</file>
+
+<file path=ppt/slides/slide19.xml><?xml version="1.0" encoding="utf-8"?>
+<p:sld xmlns:a="http://schemas.openxmlformats.org/drawingml/2006/main" xmlns:r="http://schemas.openxmlformats.org/officeDocument/2006/relationships" xmlns:p="http://schemas.openxmlformats.org/presentationml/2006/main">
+  <p:cSld>
+    <p:spTree>
+      <p:nvGrpSpPr>
+        <p:cNvPr id="1" name=""/>
+        <p:cNvGrpSpPr/>
+        <p:nvPr/>
+      </p:nvGrpSpPr>
+      <p:grpSpPr>
+        <a:xfrm>
+          <a:off x="0" y="0"/>
+          <a:ext cx="0" cy="0"/>
+          <a:chOff x="0" y="0"/>
+          <a:chExt cx="0" cy="0"/>
+        </a:xfrm>
+      </p:grpSpPr>
+      <p:sp>
+        <p:nvSpPr>
+          <p:cNvPr id="2" name="직사각형 1"/>
+          <p:cNvSpPr/>
+          <p:nvPr/>
+        </p:nvSpPr>
+        <p:spPr>
+          <a:xfrm>
+            <a:off x="1016000" y="2819400"/>
+            <a:ext cx="11430000" cy="4616648"/>
+          </a:xfrm>
+          <a:prstGeom prst="rect">
+            <a:avLst/>
+          </a:prstGeom>
+        </p:spPr>
+        <p:txBody>
+          <a:bodyPr wrap="square">
+            <a:spAutoFit/>
+          </a:bodyPr>
+          <a:lstStyle/>
+          <a:p>
+            <a:r>
+              <a:rPr lang="ko-KR" altLang="en-US" sz="4200" dirty="0" smtClean="0"/>
+              <a:t>자식 </a:t>
+            </a:r>
+            <a:r>
+              <a:rPr lang="ko-KR" altLang="en-US" sz="4200" dirty="0" err="1" smtClean="0"/>
+              <a:t>콤포넌트를</a:t>
+            </a:r>
+            <a:r>
+              <a:rPr lang="ko-KR" altLang="en-US" sz="4200" dirty="0" smtClean="0"/>
+              <a:t> </a:t>
+            </a:r>
+            <a:r>
+              <a:rPr lang="ko-KR" altLang="en-US" sz="4200" dirty="0" err="1" smtClean="0"/>
+              <a:t>구현할때</a:t>
+            </a:r>
+            <a:r>
+              <a:rPr lang="ko-KR" altLang="en-US" sz="4200" dirty="0" smtClean="0"/>
+              <a:t> 사용되는 </a:t>
+            </a:r>
+            <a:r>
+              <a:rPr lang="ko-KR" altLang="en-US" sz="4200" dirty="0" err="1" smtClean="0"/>
+              <a:t>대체콘텐츠</a:t>
+            </a:r>
+            <a:endParaRPr lang="en-US" altLang="ko-KR" sz="4200" dirty="0" smtClean="0"/>
+          </a:p>
+          <a:p>
+            <a:endParaRPr lang="en-US" altLang="ko-KR" sz="4200" dirty="0"/>
+          </a:p>
+          <a:p>
+            <a:pPr marL="285750" indent="-285750">
+              <a:buFont typeface="Arial" panose="020B0604020202020204" pitchFamily="34" charset="0"/>
+              <a:buChar char="•"/>
+            </a:pPr>
+            <a:r>
+              <a:rPr lang="en-US" altLang="ko-KR" sz="4200" dirty="0"/>
+              <a:t>&lt;slot&gt; </a:t>
+            </a:r>
+            <a:r>
+              <a:rPr lang="ko-KR" altLang="en-US" sz="4200" dirty="0"/>
+              <a:t>태그 안에 있는 내용은 대체 콘텐츠 로 </a:t>
+            </a:r>
+            <a:r>
+              <a:rPr lang="ko-KR" altLang="en-US" sz="4200" dirty="0" smtClean="0"/>
+              <a:t>간주</a:t>
+            </a:r>
+            <a:endParaRPr lang="en-US" altLang="ko-KR" sz="4200" dirty="0" smtClean="0"/>
+          </a:p>
+          <a:p>
+            <a:pPr marL="285750" indent="-285750">
+              <a:buFont typeface="Arial" panose="020B0604020202020204" pitchFamily="34" charset="0"/>
+              <a:buChar char="•"/>
+            </a:pPr>
+            <a:r>
+              <a:rPr lang="ko-KR" altLang="en-US" sz="4200" dirty="0" smtClean="0"/>
+              <a:t>대체 </a:t>
+            </a:r>
+            <a:r>
+              <a:rPr lang="ko-KR" altLang="en-US" sz="4200" dirty="0"/>
+              <a:t>콘텐츠는 하위 범위에서 </a:t>
+            </a:r>
+            <a:r>
+              <a:rPr lang="ko-KR" altLang="en-US" sz="4200" dirty="0" err="1" smtClean="0"/>
+              <a:t>컴파일됨</a:t>
+            </a:r>
+            <a:endParaRPr lang="en-US" altLang="ko-KR" sz="4200" dirty="0" smtClean="0"/>
+          </a:p>
+          <a:p>
+            <a:pPr marL="285750" indent="-285750">
+              <a:buFont typeface="Arial" panose="020B0604020202020204" pitchFamily="34" charset="0"/>
+              <a:buChar char="•"/>
+            </a:pPr>
+            <a:r>
+              <a:rPr lang="ko-KR" altLang="en-US" sz="4200" dirty="0" smtClean="0"/>
+              <a:t>호스팅 </a:t>
+            </a:r>
+            <a:r>
+              <a:rPr lang="ko-KR" altLang="en-US" sz="4200" dirty="0" err="1"/>
+              <a:t>엘리먼트가</a:t>
+            </a:r>
+            <a:r>
+              <a:rPr lang="ko-KR" altLang="en-US" sz="4200" dirty="0"/>
+              <a:t> 비어 있고 삽입할 콘텐츠가 없는 경우에만 </a:t>
+            </a:r>
+            <a:r>
+              <a:rPr lang="ko-KR" altLang="en-US" sz="4200" dirty="0" smtClean="0"/>
+              <a:t>표시됨</a:t>
+            </a:r>
+            <a:r>
+              <a:rPr lang="en-US" altLang="ko-KR" sz="4200" dirty="0" smtClean="0"/>
+              <a:t>.</a:t>
+            </a:r>
+            <a:endParaRPr lang="ko-KR" altLang="en-US" sz="4200" dirty="0"/>
+          </a:p>
+        </p:txBody>
+      </p:sp>
+    </p:spTree>
+    <p:extLst>
+      <p:ext uri="{BB962C8B-B14F-4D97-AF65-F5344CB8AC3E}">
+        <p14:creationId xmlns:p14="http://schemas.microsoft.com/office/powerpoint/2010/main" val="443118847"/>
+      </p:ext>
+    </p:extLst>
+  </p:cSld>
+  <p:clrMapOvr>
+    <a:masterClrMapping/>
+  </p:clrMapOvr>
+</p:sld>
+</file>
+
 <file path=ppt/slides/slide2.xml><?xml version="1.0" encoding="utf-8"?>
 <p:sld xmlns:a="http://schemas.openxmlformats.org/drawingml/2006/main" xmlns:r="http://schemas.openxmlformats.org/officeDocument/2006/relationships" xmlns:p="http://schemas.openxmlformats.org/presentationml/2006/main">
   <p:cSld>
@@ -5733,6 +5923,1043 @@
       </p:par>
     </p:tnLst>
   </p:timing>
+</p:sld>
+</file>
+
+<file path=ppt/slides/slide20.xml><?xml version="1.0" encoding="utf-8"?>
+<p:sld xmlns:a="http://schemas.openxmlformats.org/drawingml/2006/main" xmlns:r="http://schemas.openxmlformats.org/officeDocument/2006/relationships" xmlns:p="http://schemas.openxmlformats.org/presentationml/2006/main">
+  <p:cSld>
+    <p:spTree>
+      <p:nvGrpSpPr>
+        <p:cNvPr id="1" name=""/>
+        <p:cNvGrpSpPr/>
+        <p:nvPr/>
+      </p:nvGrpSpPr>
+      <p:grpSpPr>
+        <a:xfrm>
+          <a:off x="0" y="0"/>
+          <a:ext cx="0" cy="0"/>
+          <a:chOff x="0" y="0"/>
+          <a:chExt cx="0" cy="0"/>
+        </a:xfrm>
+      </p:grpSpPr>
+      <p:sp>
+        <p:nvSpPr>
+          <p:cNvPr id="3" name="직사각형 2"/>
+          <p:cNvSpPr/>
+          <p:nvPr/>
+        </p:nvSpPr>
+        <p:spPr>
+          <a:xfrm>
+            <a:off x="787400" y="1091149"/>
+            <a:ext cx="11658600" cy="7571303"/>
+          </a:xfrm>
+          <a:prstGeom prst="rect">
+            <a:avLst/>
+          </a:prstGeom>
+        </p:spPr>
+        <p:txBody>
+          <a:bodyPr wrap="square">
+            <a:spAutoFit/>
+          </a:bodyPr>
+          <a:lstStyle/>
+          <a:p>
+            <a:r>
+              <a:rPr lang="en-US" altLang="ko-KR" dirty="0">
+                <a:solidFill>
+                  <a:srgbClr val="800000"/>
+                </a:solidFill>
+                <a:latin typeface="Consolas" panose="020B0609020204030204" pitchFamily="49" charset="0"/>
+              </a:rPr>
+              <a:t>&lt;div</a:t>
+            </a:r>
+            <a:r>
+              <a:rPr lang="en-US" altLang="ko-KR" dirty="0">
+                <a:solidFill>
+                  <a:srgbClr val="000000"/>
+                </a:solidFill>
+                <a:latin typeface="Consolas" panose="020B0609020204030204" pitchFamily="49" charset="0"/>
+              </a:rPr>
+              <a:t> </a:t>
+            </a:r>
+            <a:r>
+              <a:rPr lang="en-US" altLang="ko-KR" dirty="0">
+                <a:solidFill>
+                  <a:srgbClr val="FF0000"/>
+                </a:solidFill>
+                <a:latin typeface="Consolas" panose="020B0609020204030204" pitchFamily="49" charset="0"/>
+              </a:rPr>
+              <a:t>id</a:t>
+            </a:r>
+            <a:r>
+              <a:rPr lang="en-US" altLang="ko-KR" dirty="0">
+                <a:solidFill>
+                  <a:srgbClr val="000000"/>
+                </a:solidFill>
+                <a:latin typeface="Consolas" panose="020B0609020204030204" pitchFamily="49" charset="0"/>
+              </a:rPr>
+              <a:t>=</a:t>
+            </a:r>
+            <a:r>
+              <a:rPr lang="en-US" altLang="ko-KR" dirty="0">
+                <a:solidFill>
+                  <a:srgbClr val="0000FF"/>
+                </a:solidFill>
+                <a:latin typeface="Consolas" panose="020B0609020204030204" pitchFamily="49" charset="0"/>
+              </a:rPr>
+              <a:t>"app"</a:t>
+            </a:r>
+            <a:r>
+              <a:rPr lang="en-US" altLang="ko-KR" dirty="0">
+                <a:solidFill>
+                  <a:srgbClr val="000000"/>
+                </a:solidFill>
+                <a:latin typeface="Consolas" panose="020B0609020204030204" pitchFamily="49" charset="0"/>
+              </a:rPr>
+              <a:t> </a:t>
+            </a:r>
+            <a:r>
+              <a:rPr lang="en-US" altLang="ko-KR" dirty="0">
+                <a:solidFill>
+                  <a:srgbClr val="FF0000"/>
+                </a:solidFill>
+                <a:latin typeface="Consolas" panose="020B0609020204030204" pitchFamily="49" charset="0"/>
+              </a:rPr>
+              <a:t>class</a:t>
+            </a:r>
+            <a:r>
+              <a:rPr lang="en-US" altLang="ko-KR" dirty="0">
+                <a:solidFill>
+                  <a:srgbClr val="000000"/>
+                </a:solidFill>
+                <a:latin typeface="Consolas" panose="020B0609020204030204" pitchFamily="49" charset="0"/>
+              </a:rPr>
+              <a:t>=</a:t>
+            </a:r>
+            <a:r>
+              <a:rPr lang="en-US" altLang="ko-KR" dirty="0">
+                <a:solidFill>
+                  <a:srgbClr val="0000FF"/>
+                </a:solidFill>
+                <a:latin typeface="Consolas" panose="020B0609020204030204" pitchFamily="49" charset="0"/>
+              </a:rPr>
+              <a:t>"example"</a:t>
+            </a:r>
+            <a:r>
+              <a:rPr lang="en-US" altLang="ko-KR" dirty="0">
+                <a:solidFill>
+                  <a:srgbClr val="800000"/>
+                </a:solidFill>
+                <a:latin typeface="Consolas" panose="020B0609020204030204" pitchFamily="49" charset="0"/>
+              </a:rPr>
+              <a:t>&gt;</a:t>
+            </a:r>
+            <a:endParaRPr lang="en-US" altLang="ko-KR" dirty="0">
+              <a:solidFill>
+                <a:srgbClr val="000000"/>
+              </a:solidFill>
+              <a:latin typeface="Consolas" panose="020B0609020204030204" pitchFamily="49" charset="0"/>
+            </a:endParaRPr>
+          </a:p>
+          <a:p>
+            <a:r>
+              <a:rPr lang="en-US" altLang="ko-KR" dirty="0">
+                <a:solidFill>
+                  <a:srgbClr val="800000"/>
+                </a:solidFill>
+                <a:latin typeface="Consolas" panose="020B0609020204030204" pitchFamily="49" charset="0"/>
+              </a:rPr>
+              <a:t>&lt;h2&gt;</a:t>
+            </a:r>
+            <a:r>
+              <a:rPr lang="en-US" altLang="ko-KR" dirty="0">
+                <a:solidFill>
+                  <a:srgbClr val="000000"/>
+                </a:solidFill>
+                <a:latin typeface="Consolas" panose="020B0609020204030204" pitchFamily="49" charset="0"/>
+              </a:rPr>
+              <a:t> </a:t>
+            </a:r>
+            <a:r>
+              <a:rPr lang="ko-KR" altLang="en-US" dirty="0">
+                <a:solidFill>
+                  <a:srgbClr val="000000"/>
+                </a:solidFill>
+                <a:latin typeface="Consolas" panose="020B0609020204030204" pitchFamily="49" charset="0"/>
+              </a:rPr>
+              <a:t>나는 부모 컴포넌트의 제목입니다</a:t>
+            </a:r>
+            <a:r>
+              <a:rPr lang="en-US" altLang="ko-KR" dirty="0">
+                <a:solidFill>
+                  <a:srgbClr val="000000"/>
+                </a:solidFill>
+                <a:latin typeface="Consolas" panose="020B0609020204030204" pitchFamily="49" charset="0"/>
+              </a:rPr>
+              <a:t>. </a:t>
+            </a:r>
+            <a:r>
+              <a:rPr lang="en-US" altLang="ko-KR" dirty="0">
+                <a:solidFill>
+                  <a:srgbClr val="800000"/>
+                </a:solidFill>
+                <a:latin typeface="Consolas" panose="020B0609020204030204" pitchFamily="49" charset="0"/>
+              </a:rPr>
+              <a:t>&lt;/h2&gt;</a:t>
+            </a:r>
+            <a:endParaRPr lang="en-US" altLang="ko-KR" dirty="0">
+              <a:solidFill>
+                <a:srgbClr val="000000"/>
+              </a:solidFill>
+              <a:latin typeface="Consolas" panose="020B0609020204030204" pitchFamily="49" charset="0"/>
+            </a:endParaRPr>
+          </a:p>
+          <a:p>
+            <a:r>
+              <a:rPr lang="en-US" altLang="ko-KR" dirty="0">
+                <a:solidFill>
+                  <a:srgbClr val="000000"/>
+                </a:solidFill>
+                <a:latin typeface="Consolas" panose="020B0609020204030204" pitchFamily="49" charset="0"/>
+              </a:rPr>
+              <a:t/>
+            </a:r>
+            <a:br>
+              <a:rPr lang="en-US" altLang="ko-KR" dirty="0">
+                <a:solidFill>
+                  <a:srgbClr val="000000"/>
+                </a:solidFill>
+                <a:latin typeface="Consolas" panose="020B0609020204030204" pitchFamily="49" charset="0"/>
+              </a:rPr>
+            </a:br>
+            <a:r>
+              <a:rPr lang="en-US" altLang="ko-KR" dirty="0">
+                <a:solidFill>
+                  <a:srgbClr val="800000"/>
+                </a:solidFill>
+                <a:latin typeface="Consolas" panose="020B0609020204030204" pitchFamily="49" charset="0"/>
+              </a:rPr>
+              <a:t>&lt;my-component</a:t>
+            </a:r>
+            <a:r>
+              <a:rPr lang="en-US" altLang="ko-KR" dirty="0" smtClean="0">
+                <a:solidFill>
+                  <a:srgbClr val="800000"/>
+                </a:solidFill>
+                <a:latin typeface="Consolas" panose="020B0609020204030204" pitchFamily="49" charset="0"/>
+              </a:rPr>
+              <a:t>&gt;</a:t>
+            </a:r>
+          </a:p>
+          <a:p>
+            <a:r>
+              <a:rPr lang="en-US" altLang="ko-KR" dirty="0" smtClean="0">
+                <a:solidFill>
+                  <a:srgbClr val="000000"/>
+                </a:solidFill>
+                <a:latin typeface="Consolas" panose="020B0609020204030204" pitchFamily="49" charset="0"/>
+              </a:rPr>
+              <a:t>	&lt;p&gt; </a:t>
+            </a:r>
+            <a:r>
+              <a:rPr lang="ko-KR" altLang="en-US" dirty="0" smtClean="0">
+                <a:solidFill>
+                  <a:srgbClr val="000000"/>
+                </a:solidFill>
+                <a:latin typeface="Consolas" panose="020B0609020204030204" pitchFamily="49" charset="0"/>
+              </a:rPr>
+              <a:t>콘텐츠를 슬롯으로 제공합니다</a:t>
+            </a:r>
+            <a:r>
+              <a:rPr lang="en-US" altLang="ko-KR" dirty="0" smtClean="0">
+                <a:solidFill>
+                  <a:srgbClr val="000000"/>
+                </a:solidFill>
+                <a:latin typeface="Consolas" panose="020B0609020204030204" pitchFamily="49" charset="0"/>
+              </a:rPr>
+              <a:t>. &lt;/p&gt;</a:t>
+            </a:r>
+            <a:endParaRPr lang="en-US" altLang="ko-KR" dirty="0">
+              <a:solidFill>
+                <a:srgbClr val="000000"/>
+              </a:solidFill>
+              <a:latin typeface="Consolas" panose="020B0609020204030204" pitchFamily="49" charset="0"/>
+            </a:endParaRPr>
+          </a:p>
+          <a:p>
+            <a:r>
+              <a:rPr lang="en-US" altLang="ko-KR" dirty="0">
+                <a:solidFill>
+                  <a:srgbClr val="800000"/>
+                </a:solidFill>
+                <a:latin typeface="Consolas" panose="020B0609020204030204" pitchFamily="49" charset="0"/>
+              </a:rPr>
+              <a:t>&lt;/my-component&gt;</a:t>
+            </a:r>
+            <a:endParaRPr lang="en-US" altLang="ko-KR" dirty="0">
+              <a:solidFill>
+                <a:srgbClr val="000000"/>
+              </a:solidFill>
+              <a:latin typeface="Consolas" panose="020B0609020204030204" pitchFamily="49" charset="0"/>
+            </a:endParaRPr>
+          </a:p>
+          <a:p>
+            <a:endParaRPr lang="en-US" altLang="ko-KR" dirty="0" smtClean="0">
+              <a:solidFill>
+                <a:srgbClr val="800000"/>
+              </a:solidFill>
+              <a:latin typeface="Consolas" panose="020B0609020204030204" pitchFamily="49" charset="0"/>
+            </a:endParaRPr>
+          </a:p>
+          <a:p>
+            <a:r>
+              <a:rPr lang="en-US" altLang="ko-KR" dirty="0" smtClean="0">
+                <a:solidFill>
+                  <a:srgbClr val="800000"/>
+                </a:solidFill>
+                <a:latin typeface="Consolas" panose="020B0609020204030204" pitchFamily="49" charset="0"/>
+              </a:rPr>
+              <a:t>&lt;/</a:t>
+            </a:r>
+            <a:r>
+              <a:rPr lang="en-US" altLang="ko-KR" dirty="0">
+                <a:solidFill>
+                  <a:srgbClr val="800000"/>
+                </a:solidFill>
+                <a:latin typeface="Consolas" panose="020B0609020204030204" pitchFamily="49" charset="0"/>
+              </a:rPr>
+              <a:t>div&gt;</a:t>
+            </a:r>
+            <a:endParaRPr lang="en-US" altLang="ko-KR" dirty="0">
+              <a:solidFill>
+                <a:srgbClr val="000000"/>
+              </a:solidFill>
+              <a:latin typeface="Consolas" panose="020B0609020204030204" pitchFamily="49" charset="0"/>
+            </a:endParaRPr>
+          </a:p>
+          <a:p>
+            <a:r>
+              <a:rPr lang="en-US" altLang="ko-KR" dirty="0">
+                <a:solidFill>
+                  <a:srgbClr val="000000"/>
+                </a:solidFill>
+                <a:latin typeface="Consolas" panose="020B0609020204030204" pitchFamily="49" charset="0"/>
+              </a:rPr>
+              <a:t/>
+            </a:r>
+            <a:br>
+              <a:rPr lang="en-US" altLang="ko-KR" dirty="0">
+                <a:solidFill>
+                  <a:srgbClr val="000000"/>
+                </a:solidFill>
+                <a:latin typeface="Consolas" panose="020B0609020204030204" pitchFamily="49" charset="0"/>
+              </a:rPr>
+            </a:br>
+            <a:r>
+              <a:rPr lang="en-US" altLang="ko-KR" dirty="0">
+                <a:solidFill>
+                  <a:srgbClr val="800000"/>
+                </a:solidFill>
+                <a:latin typeface="Consolas" panose="020B0609020204030204" pitchFamily="49" charset="0"/>
+              </a:rPr>
+              <a:t>&lt;script&gt;</a:t>
+            </a:r>
+            <a:endParaRPr lang="en-US" altLang="ko-KR" dirty="0">
+              <a:solidFill>
+                <a:srgbClr val="000000"/>
+              </a:solidFill>
+              <a:latin typeface="Consolas" panose="020B0609020204030204" pitchFamily="49" charset="0"/>
+            </a:endParaRPr>
+          </a:p>
+          <a:p>
+            <a:pPr lvl="1"/>
+            <a:r>
+              <a:rPr lang="en-US" altLang="ko-KR" dirty="0" err="1">
+                <a:solidFill>
+                  <a:srgbClr val="001080"/>
+                </a:solidFill>
+                <a:latin typeface="Consolas" panose="020B0609020204030204" pitchFamily="49" charset="0"/>
+              </a:rPr>
+              <a:t>Vue</a:t>
+            </a:r>
+            <a:r>
+              <a:rPr lang="en-US" altLang="ko-KR" dirty="0" err="1">
+                <a:solidFill>
+                  <a:srgbClr val="000000"/>
+                </a:solidFill>
+                <a:latin typeface="Consolas" panose="020B0609020204030204" pitchFamily="49" charset="0"/>
+              </a:rPr>
+              <a:t>.</a:t>
+            </a:r>
+            <a:r>
+              <a:rPr lang="en-US" altLang="ko-KR" dirty="0" err="1">
+                <a:solidFill>
+                  <a:srgbClr val="795E26"/>
+                </a:solidFill>
+                <a:latin typeface="Consolas" panose="020B0609020204030204" pitchFamily="49" charset="0"/>
+              </a:rPr>
+              <a:t>component</a:t>
+            </a:r>
+            <a:r>
+              <a:rPr lang="en-US" altLang="ko-KR" dirty="0" smtClean="0">
+                <a:solidFill>
+                  <a:srgbClr val="000000"/>
+                </a:solidFill>
+                <a:latin typeface="Consolas" panose="020B0609020204030204" pitchFamily="49" charset="0"/>
+              </a:rPr>
+              <a:t>(</a:t>
+            </a:r>
+            <a:r>
+              <a:rPr lang="en-US" altLang="ko-KR" dirty="0" smtClean="0">
+                <a:solidFill>
+                  <a:srgbClr val="A31515"/>
+                </a:solidFill>
+                <a:latin typeface="Consolas" panose="020B0609020204030204" pitchFamily="49" charset="0"/>
+              </a:rPr>
+              <a:t>＇my-component＇</a:t>
+            </a:r>
+            <a:r>
+              <a:rPr lang="en-US" altLang="ko-KR" dirty="0" smtClean="0">
+                <a:solidFill>
+                  <a:srgbClr val="000000"/>
+                </a:solidFill>
+                <a:latin typeface="Consolas" panose="020B0609020204030204" pitchFamily="49" charset="0"/>
+              </a:rPr>
+              <a:t>, </a:t>
+            </a:r>
+            <a:r>
+              <a:rPr lang="en-US" altLang="ko-KR" dirty="0">
+                <a:solidFill>
+                  <a:srgbClr val="000000"/>
+                </a:solidFill>
+                <a:latin typeface="Consolas" panose="020B0609020204030204" pitchFamily="49" charset="0"/>
+              </a:rPr>
+              <a:t>{</a:t>
+            </a:r>
+          </a:p>
+          <a:p>
+            <a:pPr lvl="1"/>
+            <a:r>
+              <a:rPr lang="en-US" altLang="ko-KR" dirty="0" smtClean="0">
+                <a:solidFill>
+                  <a:srgbClr val="001080"/>
+                </a:solidFill>
+                <a:latin typeface="Consolas" panose="020B0609020204030204" pitchFamily="49" charset="0"/>
+              </a:rPr>
+              <a:t>Template</a:t>
+            </a:r>
+            <a:r>
+              <a:rPr lang="en-US" altLang="ko-KR" dirty="0">
+                <a:solidFill>
+                  <a:srgbClr val="001080"/>
+                </a:solidFill>
+                <a:latin typeface="Consolas" panose="020B0609020204030204" pitchFamily="49" charset="0"/>
+              </a:rPr>
+              <a:t>:</a:t>
+            </a:r>
+            <a:r>
+              <a:rPr lang="en-US" altLang="ko-KR" dirty="0">
+                <a:solidFill>
+                  <a:srgbClr val="000000"/>
+                </a:solidFill>
+                <a:latin typeface="Consolas" panose="020B0609020204030204" pitchFamily="49" charset="0"/>
+              </a:rPr>
+              <a:t> </a:t>
+            </a:r>
+            <a:r>
+              <a:rPr lang="en-US" altLang="ko-KR" dirty="0" smtClean="0">
+                <a:solidFill>
+                  <a:srgbClr val="A31515"/>
+                </a:solidFill>
+                <a:latin typeface="Consolas" panose="020B0609020204030204" pitchFamily="49" charset="0"/>
+              </a:rPr>
+              <a:t>‘    &lt;</a:t>
+            </a:r>
+            <a:r>
+              <a:rPr lang="en-US" altLang="ko-KR" dirty="0">
+                <a:solidFill>
+                  <a:srgbClr val="A31515"/>
+                </a:solidFill>
+                <a:latin typeface="Consolas" panose="020B0609020204030204" pitchFamily="49" charset="0"/>
+              </a:rPr>
+              <a:t>div class="example"&gt;\</a:t>
+            </a:r>
+            <a:endParaRPr lang="en-US" altLang="ko-KR" dirty="0">
+              <a:solidFill>
+                <a:srgbClr val="000000"/>
+              </a:solidFill>
+              <a:latin typeface="Consolas" panose="020B0609020204030204" pitchFamily="49" charset="0"/>
+            </a:endParaRPr>
+          </a:p>
+          <a:p>
+            <a:pPr lvl="5"/>
+            <a:r>
+              <a:rPr lang="en-US" altLang="ko-KR" dirty="0">
+                <a:solidFill>
+                  <a:srgbClr val="A31515"/>
+                </a:solidFill>
+                <a:latin typeface="Consolas" panose="020B0609020204030204" pitchFamily="49" charset="0"/>
+              </a:rPr>
+              <a:t>&lt;h3&gt; </a:t>
+            </a:r>
+            <a:r>
+              <a:rPr lang="ko-KR" altLang="en-US" dirty="0">
+                <a:solidFill>
+                  <a:srgbClr val="A31515"/>
+                </a:solidFill>
+                <a:latin typeface="Consolas" panose="020B0609020204030204" pitchFamily="49" charset="0"/>
+              </a:rPr>
+              <a:t>나는 자식 컴포넌트의 제목입니다 </a:t>
+            </a:r>
+            <a:r>
+              <a:rPr lang="en-US" altLang="ko-KR" dirty="0">
+                <a:solidFill>
+                  <a:srgbClr val="A31515"/>
+                </a:solidFill>
+                <a:latin typeface="Consolas" panose="020B0609020204030204" pitchFamily="49" charset="0"/>
+              </a:rPr>
+              <a:t>&lt;/h3&gt;\</a:t>
+            </a:r>
+            <a:endParaRPr lang="en-US" altLang="ko-KR" dirty="0">
+              <a:solidFill>
+                <a:srgbClr val="000000"/>
+              </a:solidFill>
+              <a:latin typeface="Consolas" panose="020B0609020204030204" pitchFamily="49" charset="0"/>
+            </a:endParaRPr>
+          </a:p>
+          <a:p>
+            <a:pPr lvl="5"/>
+            <a:r>
+              <a:rPr lang="en-US" altLang="ko-KR" dirty="0">
+                <a:solidFill>
+                  <a:srgbClr val="A31515"/>
+                </a:solidFill>
+                <a:latin typeface="Consolas" panose="020B0609020204030204" pitchFamily="49" charset="0"/>
+              </a:rPr>
+              <a:t>&lt;div&gt;\</a:t>
+            </a:r>
+            <a:endParaRPr lang="en-US" altLang="ko-KR" dirty="0">
+              <a:solidFill>
+                <a:srgbClr val="000000"/>
+              </a:solidFill>
+              <a:latin typeface="Consolas" panose="020B0609020204030204" pitchFamily="49" charset="0"/>
+            </a:endParaRPr>
+          </a:p>
+          <a:p>
+            <a:pPr lvl="5"/>
+            <a:r>
+              <a:rPr lang="en-US" altLang="ko-KR" dirty="0" smtClean="0">
+                <a:solidFill>
+                  <a:srgbClr val="A31515"/>
+                </a:solidFill>
+                <a:latin typeface="Consolas" panose="020B0609020204030204" pitchFamily="49" charset="0"/>
+              </a:rPr>
+              <a:t>	&lt;</a:t>
+            </a:r>
+            <a:r>
+              <a:rPr lang="en-US" altLang="ko-KR" dirty="0">
+                <a:solidFill>
+                  <a:srgbClr val="A31515"/>
+                </a:solidFill>
+                <a:latin typeface="Consolas" panose="020B0609020204030204" pitchFamily="49" charset="0"/>
+              </a:rPr>
+              <a:t>slot&gt;\</a:t>
+            </a:r>
+            <a:endParaRPr lang="en-US" altLang="ko-KR" dirty="0">
+              <a:solidFill>
+                <a:srgbClr val="000000"/>
+              </a:solidFill>
+              <a:latin typeface="Consolas" panose="020B0609020204030204" pitchFamily="49" charset="0"/>
+            </a:endParaRPr>
+          </a:p>
+          <a:p>
+            <a:pPr lvl="5"/>
+            <a:r>
+              <a:rPr lang="en-US" altLang="ko-KR" dirty="0" smtClean="0">
+                <a:solidFill>
+                  <a:srgbClr val="A31515"/>
+                </a:solidFill>
+                <a:latin typeface="Consolas" panose="020B0609020204030204" pitchFamily="49" charset="0"/>
+              </a:rPr>
+              <a:t>		</a:t>
+            </a:r>
+            <a:r>
+              <a:rPr lang="ko-KR" altLang="en-US" dirty="0" smtClean="0">
+                <a:solidFill>
+                  <a:srgbClr val="A31515"/>
+                </a:solidFill>
+                <a:latin typeface="Consolas" panose="020B0609020204030204" pitchFamily="49" charset="0"/>
+              </a:rPr>
+              <a:t>제공된 </a:t>
+            </a:r>
+            <a:r>
+              <a:rPr lang="ko-KR" altLang="en-US" dirty="0">
+                <a:solidFill>
+                  <a:srgbClr val="A31515"/>
+                </a:solidFill>
+                <a:latin typeface="Consolas" panose="020B0609020204030204" pitchFamily="49" charset="0"/>
+              </a:rPr>
+              <a:t>컨텐츠가 없는 경우에만 보실 수 있습니다</a:t>
+            </a:r>
+            <a:r>
+              <a:rPr lang="en-US" altLang="ko-KR" dirty="0">
+                <a:solidFill>
+                  <a:srgbClr val="A31515"/>
+                </a:solidFill>
+                <a:latin typeface="Consolas" panose="020B0609020204030204" pitchFamily="49" charset="0"/>
+              </a:rPr>
+              <a:t>.\</a:t>
+            </a:r>
+            <a:endParaRPr lang="ko-KR" altLang="en-US" dirty="0">
+              <a:solidFill>
+                <a:srgbClr val="000000"/>
+              </a:solidFill>
+              <a:latin typeface="Consolas" panose="020B0609020204030204" pitchFamily="49" charset="0"/>
+            </a:endParaRPr>
+          </a:p>
+          <a:p>
+            <a:pPr lvl="5"/>
+            <a:r>
+              <a:rPr lang="en-US" altLang="ko-KR" dirty="0" smtClean="0">
+                <a:solidFill>
+                  <a:srgbClr val="A31515"/>
+                </a:solidFill>
+                <a:latin typeface="Consolas" panose="020B0609020204030204" pitchFamily="49" charset="0"/>
+              </a:rPr>
+              <a:t>	&lt;/</a:t>
+            </a:r>
+            <a:r>
+              <a:rPr lang="en-US" altLang="ko-KR" dirty="0">
+                <a:solidFill>
+                  <a:srgbClr val="A31515"/>
+                </a:solidFill>
+                <a:latin typeface="Consolas" panose="020B0609020204030204" pitchFamily="49" charset="0"/>
+              </a:rPr>
+              <a:t>slot&gt;\</a:t>
+            </a:r>
+            <a:endParaRPr lang="en-US" altLang="ko-KR" dirty="0">
+              <a:solidFill>
+                <a:srgbClr val="000000"/>
+              </a:solidFill>
+              <a:latin typeface="Consolas" panose="020B0609020204030204" pitchFamily="49" charset="0"/>
+            </a:endParaRPr>
+          </a:p>
+          <a:p>
+            <a:pPr lvl="5"/>
+            <a:r>
+              <a:rPr lang="en-US" altLang="ko-KR" dirty="0">
+                <a:solidFill>
+                  <a:srgbClr val="A31515"/>
+                </a:solidFill>
+                <a:latin typeface="Consolas" panose="020B0609020204030204" pitchFamily="49" charset="0"/>
+              </a:rPr>
+              <a:t>&lt;/div&gt;\</a:t>
+            </a:r>
+            <a:endParaRPr lang="en-US" altLang="ko-KR" dirty="0">
+              <a:solidFill>
+                <a:srgbClr val="000000"/>
+              </a:solidFill>
+              <a:latin typeface="Consolas" panose="020B0609020204030204" pitchFamily="49" charset="0"/>
+            </a:endParaRPr>
+          </a:p>
+          <a:p>
+            <a:pPr lvl="5"/>
+            <a:r>
+              <a:rPr lang="en-US" altLang="ko-KR" dirty="0">
+                <a:solidFill>
+                  <a:srgbClr val="A31515"/>
+                </a:solidFill>
+                <a:latin typeface="Consolas" panose="020B0609020204030204" pitchFamily="49" charset="0"/>
+              </a:rPr>
+              <a:t>&lt;/div&gt;'</a:t>
+            </a:r>
+            <a:endParaRPr lang="en-US" altLang="ko-KR" dirty="0">
+              <a:solidFill>
+                <a:srgbClr val="000000"/>
+              </a:solidFill>
+              <a:latin typeface="Consolas" panose="020B0609020204030204" pitchFamily="49" charset="0"/>
+            </a:endParaRPr>
+          </a:p>
+          <a:p>
+            <a:pPr lvl="1"/>
+            <a:r>
+              <a:rPr lang="en-US" altLang="ko-KR" dirty="0">
+                <a:solidFill>
+                  <a:srgbClr val="000000"/>
+                </a:solidFill>
+                <a:latin typeface="Consolas" panose="020B0609020204030204" pitchFamily="49" charset="0"/>
+              </a:rPr>
+              <a:t>})</a:t>
+            </a:r>
+          </a:p>
+          <a:p>
+            <a:r>
+              <a:rPr lang="en-US" altLang="ko-KR" dirty="0">
+                <a:solidFill>
+                  <a:srgbClr val="000000"/>
+                </a:solidFill>
+                <a:latin typeface="Consolas" panose="020B0609020204030204" pitchFamily="49" charset="0"/>
+              </a:rPr>
+              <a:t/>
+            </a:r>
+            <a:br>
+              <a:rPr lang="en-US" altLang="ko-KR" dirty="0">
+                <a:solidFill>
+                  <a:srgbClr val="000000"/>
+                </a:solidFill>
+                <a:latin typeface="Consolas" panose="020B0609020204030204" pitchFamily="49" charset="0"/>
+              </a:rPr>
+            </a:br>
+            <a:r>
+              <a:rPr lang="en-US" altLang="ko-KR" dirty="0">
+                <a:solidFill>
+                  <a:srgbClr val="000000"/>
+                </a:solidFill>
+                <a:latin typeface="Consolas" panose="020B0609020204030204" pitchFamily="49" charset="0"/>
+              </a:rPr>
+              <a:t/>
+            </a:r>
+            <a:br>
+              <a:rPr lang="en-US" altLang="ko-KR" dirty="0">
+                <a:solidFill>
+                  <a:srgbClr val="000000"/>
+                </a:solidFill>
+                <a:latin typeface="Consolas" panose="020B0609020204030204" pitchFamily="49" charset="0"/>
+              </a:rPr>
+            </a:br>
+            <a:r>
+              <a:rPr lang="en-US" altLang="ko-KR" dirty="0" err="1">
+                <a:solidFill>
+                  <a:srgbClr val="0000FF"/>
+                </a:solidFill>
+                <a:latin typeface="Consolas" panose="020B0609020204030204" pitchFamily="49" charset="0"/>
+              </a:rPr>
+              <a:t>var</a:t>
+            </a:r>
+            <a:r>
+              <a:rPr lang="en-US" altLang="ko-KR" dirty="0">
+                <a:solidFill>
+                  <a:srgbClr val="000000"/>
+                </a:solidFill>
+                <a:latin typeface="Consolas" panose="020B0609020204030204" pitchFamily="49" charset="0"/>
+              </a:rPr>
+              <a:t> </a:t>
+            </a:r>
+            <a:r>
+              <a:rPr lang="en-US" altLang="ko-KR" dirty="0">
+                <a:solidFill>
+                  <a:srgbClr val="001080"/>
+                </a:solidFill>
+                <a:latin typeface="Consolas" panose="020B0609020204030204" pitchFamily="49" charset="0"/>
+              </a:rPr>
+              <a:t>app</a:t>
+            </a:r>
+            <a:r>
+              <a:rPr lang="en-US" altLang="ko-KR" dirty="0">
+                <a:solidFill>
+                  <a:srgbClr val="000000"/>
+                </a:solidFill>
+                <a:latin typeface="Consolas" panose="020B0609020204030204" pitchFamily="49" charset="0"/>
+              </a:rPr>
+              <a:t> = </a:t>
+            </a:r>
+            <a:r>
+              <a:rPr lang="en-US" altLang="ko-KR" dirty="0">
+                <a:solidFill>
+                  <a:srgbClr val="0000FF"/>
+                </a:solidFill>
+                <a:latin typeface="Consolas" panose="020B0609020204030204" pitchFamily="49" charset="0"/>
+              </a:rPr>
+              <a:t>new</a:t>
+            </a:r>
+            <a:r>
+              <a:rPr lang="en-US" altLang="ko-KR" dirty="0">
+                <a:solidFill>
+                  <a:srgbClr val="000000"/>
+                </a:solidFill>
+                <a:latin typeface="Consolas" panose="020B0609020204030204" pitchFamily="49" charset="0"/>
+              </a:rPr>
+              <a:t> </a:t>
+            </a:r>
+            <a:r>
+              <a:rPr lang="en-US" altLang="ko-KR" dirty="0" err="1">
+                <a:solidFill>
+                  <a:srgbClr val="267F99"/>
+                </a:solidFill>
+                <a:latin typeface="Consolas" panose="020B0609020204030204" pitchFamily="49" charset="0"/>
+              </a:rPr>
+              <a:t>Vue</a:t>
+            </a:r>
+            <a:r>
+              <a:rPr lang="en-US" altLang="ko-KR" dirty="0">
+                <a:solidFill>
+                  <a:srgbClr val="000000"/>
+                </a:solidFill>
+                <a:latin typeface="Consolas" panose="020B0609020204030204" pitchFamily="49" charset="0"/>
+              </a:rPr>
+              <a:t>({</a:t>
+            </a:r>
+          </a:p>
+          <a:p>
+            <a:r>
+              <a:rPr lang="en-US" altLang="ko-KR" dirty="0" smtClean="0">
+                <a:solidFill>
+                  <a:srgbClr val="001080"/>
+                </a:solidFill>
+                <a:latin typeface="Consolas" panose="020B0609020204030204" pitchFamily="49" charset="0"/>
+              </a:rPr>
+              <a:t>	el</a:t>
+            </a:r>
+            <a:r>
+              <a:rPr lang="en-US" altLang="ko-KR" dirty="0">
+                <a:solidFill>
+                  <a:srgbClr val="001080"/>
+                </a:solidFill>
+                <a:latin typeface="Consolas" panose="020B0609020204030204" pitchFamily="49" charset="0"/>
+              </a:rPr>
+              <a:t>:</a:t>
+            </a:r>
+            <a:r>
+              <a:rPr lang="en-US" altLang="ko-KR" dirty="0">
+                <a:solidFill>
+                  <a:srgbClr val="000000"/>
+                </a:solidFill>
+                <a:latin typeface="Consolas" panose="020B0609020204030204" pitchFamily="49" charset="0"/>
+              </a:rPr>
+              <a:t> </a:t>
+            </a:r>
+            <a:r>
+              <a:rPr lang="en-US" altLang="ko-KR" dirty="0">
+                <a:solidFill>
+                  <a:srgbClr val="A31515"/>
+                </a:solidFill>
+                <a:latin typeface="Consolas" panose="020B0609020204030204" pitchFamily="49" charset="0"/>
+              </a:rPr>
+              <a:t>'#app'</a:t>
+            </a:r>
+            <a:r>
+              <a:rPr lang="en-US" altLang="ko-KR" dirty="0">
+                <a:solidFill>
+                  <a:srgbClr val="000000"/>
+                </a:solidFill>
+                <a:latin typeface="Consolas" panose="020B0609020204030204" pitchFamily="49" charset="0"/>
+              </a:rPr>
+              <a:t>,</a:t>
+            </a:r>
+          </a:p>
+          <a:p>
+            <a:r>
+              <a:rPr lang="en-US" altLang="ko-KR" dirty="0" smtClean="0">
+                <a:solidFill>
+                  <a:srgbClr val="001080"/>
+                </a:solidFill>
+                <a:latin typeface="Consolas" panose="020B0609020204030204" pitchFamily="49" charset="0"/>
+              </a:rPr>
+              <a:t>	data</a:t>
+            </a:r>
+            <a:r>
+              <a:rPr lang="en-US" altLang="ko-KR" dirty="0">
+                <a:solidFill>
+                  <a:srgbClr val="001080"/>
+                </a:solidFill>
+                <a:latin typeface="Consolas" panose="020B0609020204030204" pitchFamily="49" charset="0"/>
+              </a:rPr>
+              <a:t>:</a:t>
+            </a:r>
+            <a:r>
+              <a:rPr lang="en-US" altLang="ko-KR" dirty="0">
+                <a:solidFill>
+                  <a:srgbClr val="000000"/>
+                </a:solidFill>
+                <a:latin typeface="Consolas" panose="020B0609020204030204" pitchFamily="49" charset="0"/>
+              </a:rPr>
+              <a:t> </a:t>
+            </a:r>
+            <a:r>
+              <a:rPr lang="en-US" altLang="ko-KR" dirty="0" smtClean="0">
+                <a:solidFill>
+                  <a:srgbClr val="000000"/>
+                </a:solidFill>
+                <a:latin typeface="Consolas" panose="020B0609020204030204" pitchFamily="49" charset="0"/>
+              </a:rPr>
+              <a:t>{ }</a:t>
+            </a:r>
+            <a:endParaRPr lang="en-US" altLang="ko-KR" dirty="0">
+              <a:solidFill>
+                <a:srgbClr val="000000"/>
+              </a:solidFill>
+              <a:latin typeface="Consolas" panose="020B0609020204030204" pitchFamily="49" charset="0"/>
+            </a:endParaRPr>
+          </a:p>
+          <a:p>
+            <a:r>
+              <a:rPr lang="en-US" altLang="ko-KR" dirty="0">
+                <a:solidFill>
+                  <a:srgbClr val="000000"/>
+                </a:solidFill>
+                <a:latin typeface="Consolas" panose="020B0609020204030204" pitchFamily="49" charset="0"/>
+              </a:rPr>
+              <a:t>})</a:t>
+            </a:r>
+          </a:p>
+          <a:p>
+            <a:r>
+              <a:rPr lang="en-US" altLang="ko-KR" dirty="0">
+                <a:solidFill>
+                  <a:srgbClr val="800000"/>
+                </a:solidFill>
+                <a:latin typeface="Consolas" panose="020B0609020204030204" pitchFamily="49" charset="0"/>
+              </a:rPr>
+              <a:t>&lt;/script&gt;</a:t>
+            </a:r>
+            <a:endParaRPr lang="en-US" altLang="ko-KR" b="0" dirty="0">
+              <a:solidFill>
+                <a:srgbClr val="000000"/>
+              </a:solidFill>
+              <a:effectLst/>
+              <a:latin typeface="Consolas" panose="020B0609020204030204" pitchFamily="49" charset="0"/>
+            </a:endParaRPr>
+          </a:p>
+        </p:txBody>
+      </p:sp>
+      <p:sp>
+        <p:nvSpPr>
+          <p:cNvPr id="4" name="직사각형 3"/>
+          <p:cNvSpPr/>
+          <p:nvPr/>
+        </p:nvSpPr>
+        <p:spPr>
+          <a:xfrm>
+            <a:off x="1473200" y="2133600"/>
+            <a:ext cx="5410200" cy="457200"/>
+          </a:xfrm>
+          <a:prstGeom prst="rect">
+            <a:avLst/>
+          </a:prstGeom>
+          <a:noFill/>
+          <a:ln w="76200">
+            <a:solidFill>
+              <a:srgbClr val="C00000"/>
+            </a:solidFill>
+          </a:ln>
+        </p:spPr>
+        <p:style>
+          <a:lnRef idx="2">
+            <a:schemeClr val="accent2"/>
+          </a:lnRef>
+          <a:fillRef idx="1">
+            <a:schemeClr val="lt1"/>
+          </a:fillRef>
+          <a:effectRef idx="0">
+            <a:schemeClr val="accent2"/>
+          </a:effectRef>
+          <a:fontRef idx="minor">
+            <a:schemeClr val="dk1"/>
+          </a:fontRef>
+        </p:style>
+        <p:txBody>
+          <a:bodyPr rtlCol="0" anchor="ctr"/>
+          <a:lstStyle/>
+          <a:p>
+            <a:pPr algn="ctr"/>
+            <a:endParaRPr lang="ko-KR" altLang="en-US"/>
+          </a:p>
+        </p:txBody>
+      </p:sp>
+      <p:sp>
+        <p:nvSpPr>
+          <p:cNvPr id="5" name="직사각형 4"/>
+          <p:cNvSpPr/>
+          <p:nvPr/>
+        </p:nvSpPr>
+        <p:spPr>
+          <a:xfrm>
+            <a:off x="3606800" y="4954078"/>
+            <a:ext cx="7010400" cy="913322"/>
+          </a:xfrm>
+          <a:prstGeom prst="rect">
+            <a:avLst/>
+          </a:prstGeom>
+          <a:noFill/>
+          <a:ln w="76200">
+            <a:solidFill>
+              <a:srgbClr val="C00000"/>
+            </a:solidFill>
+          </a:ln>
+        </p:spPr>
+        <p:style>
+          <a:lnRef idx="2">
+            <a:schemeClr val="accent2"/>
+          </a:lnRef>
+          <a:fillRef idx="1">
+            <a:schemeClr val="lt1"/>
+          </a:fillRef>
+          <a:effectRef idx="0">
+            <a:schemeClr val="accent2"/>
+          </a:effectRef>
+          <a:fontRef idx="minor">
+            <a:schemeClr val="dk1"/>
+          </a:fontRef>
+        </p:style>
+        <p:txBody>
+          <a:bodyPr rtlCol="0" anchor="ctr"/>
+          <a:lstStyle/>
+          <a:p>
+            <a:pPr algn="ctr"/>
+            <a:endParaRPr lang="ko-KR" altLang="en-US"/>
+          </a:p>
+        </p:txBody>
+      </p:sp>
+      <p:sp>
+        <p:nvSpPr>
+          <p:cNvPr id="7" name="아래쪽 화살표 6"/>
+          <p:cNvSpPr/>
+          <p:nvPr/>
+        </p:nvSpPr>
+        <p:spPr>
+          <a:xfrm>
+            <a:off x="5435600" y="2819400"/>
+            <a:ext cx="533400" cy="1981200"/>
+          </a:xfrm>
+          <a:prstGeom prst="downArrow">
+            <a:avLst/>
+          </a:prstGeom>
+        </p:spPr>
+        <p:style>
+          <a:lnRef idx="2">
+            <a:schemeClr val="accent1">
+              <a:shade val="50000"/>
+            </a:schemeClr>
+          </a:lnRef>
+          <a:fillRef idx="1">
+            <a:schemeClr val="accent1"/>
+          </a:fillRef>
+          <a:effectRef idx="0">
+            <a:schemeClr val="accent1"/>
+          </a:effectRef>
+          <a:fontRef idx="minor">
+            <a:schemeClr val="lt1"/>
+          </a:fontRef>
+        </p:style>
+        <p:txBody>
+          <a:bodyPr rtlCol="0" anchor="ctr"/>
+          <a:lstStyle/>
+          <a:p>
+            <a:pPr algn="ctr"/>
+            <a:endParaRPr lang="ko-KR" altLang="en-US"/>
+          </a:p>
+        </p:txBody>
+      </p:sp>
+    </p:spTree>
+    <p:extLst>
+      <p:ext uri="{BB962C8B-B14F-4D97-AF65-F5344CB8AC3E}">
+        <p14:creationId xmlns:p14="http://schemas.microsoft.com/office/powerpoint/2010/main" val="1719564337"/>
+      </p:ext>
+    </p:extLst>
+  </p:cSld>
+  <p:clrMapOvr>
+    <a:masterClrMapping/>
+  </p:clrMapOvr>
 </p:sld>
 </file>
 
